--- a/ppt.pptx
+++ b/ppt.pptx
@@ -3406,7 +3406,7 @@
           <a:p>
             <a:r>
               <a:rPr lang="zh-CN" altLang="en-US" dirty="0"/>
-              <a:t>组员：李尚泽 张伊群 刘玉奇</a:t>
+              <a:t>组员：李尚泽 张伊群 刘玉奇 </a:t>
             </a:r>
           </a:p>
         </p:txBody>
